--- a/Team Sigma.pptx
+++ b/Team Sigma.pptx
@@ -10,10 +10,11 @@
     <p:sldId id="260" r:id="rId4"/>
     <p:sldId id="261" r:id="rId5"/>
     <p:sldId id="262" r:id="rId6"/>
-    <p:sldId id="264" r:id="rId7"/>
-    <p:sldId id="265" r:id="rId8"/>
-    <p:sldId id="259" r:id="rId9"/>
-    <p:sldId id="257" r:id="rId10"/>
+    <p:sldId id="266" r:id="rId7"/>
+    <p:sldId id="264" r:id="rId8"/>
+    <p:sldId id="265" r:id="rId9"/>
+    <p:sldId id="259" r:id="rId10"/>
+    <p:sldId id="257" r:id="rId11"/>
   </p:sldIdLst>
   <p:sldSz cx="12192000" cy="6858000"/>
   <p:notesSz cx="6858000" cy="9144000"/>
@@ -112,7 +113,73 @@
       </a:defRPr>
     </a:lvl9pPr>
   </p:defaultTextStyle>
+  <p:extLst>
+    <p:ext uri="{EFAFB233-063F-42B5-8137-9DF3F51BA10A}">
+      <p15:sldGuideLst xmlns:p15="http://schemas.microsoft.com/office/powerpoint/2012/main"/>
+    </p:ext>
+  </p:extLst>
 </p:presentation>
+</file>
+
+<file path=ppt/revisionInfo.xml><?xml version="1.0" encoding="utf-8"?>
+<p1510:revInfo xmlns:a="http://schemas.openxmlformats.org/drawingml/2006/main" xmlns:r="http://schemas.openxmlformats.org/officeDocument/2006/relationships" xmlns:p1510="http://schemas.microsoft.com/office/powerpoint/2015/10/main">
+  <p1510:revLst>
+    <p1510:client id="{A2A0E723-BA6A-4C8D-A93B-2AFAD3ACB902}" v="4" dt="2020-10-31T17:39:07.948"/>
+  </p1510:revLst>
+</p1510:revInfo>
+</file>
+
+<file path=ppt/changesInfos/changesInfo1.xml><?xml version="1.0" encoding="utf-8"?>
+<pc:chgInfo xmlns:a="http://schemas.openxmlformats.org/drawingml/2006/main" xmlns:r="http://schemas.openxmlformats.org/officeDocument/2006/relationships" xmlns:ac="http://schemas.microsoft.com/office/drawing/2013/main/command" xmlns:pc="http://schemas.microsoft.com/office/powerpoint/2013/main/command">
+  <pc:docChgLst>
+    <pc:chgData name="Villarreal Jorge Hector" userId="834edb76-31d5-469c-83b3-357aaa1b68bb" providerId="ADAL" clId="{A2A0E723-BA6A-4C8D-A93B-2AFAD3ACB902}"/>
+    <pc:docChg chg="custSel addSld modSld">
+      <pc:chgData name="Villarreal Jorge Hector" userId="834edb76-31d5-469c-83b3-357aaa1b68bb" providerId="ADAL" clId="{A2A0E723-BA6A-4C8D-A93B-2AFAD3ACB902}" dt="2020-10-31T17:39:35.015" v="37" actId="14100"/>
+      <pc:docMkLst>
+        <pc:docMk/>
+      </pc:docMkLst>
+      <pc:sldChg chg="addSp delSp modSp add">
+        <pc:chgData name="Villarreal Jorge Hector" userId="834edb76-31d5-469c-83b3-357aaa1b68bb" providerId="ADAL" clId="{A2A0E723-BA6A-4C8D-A93B-2AFAD3ACB902}" dt="2020-10-31T17:39:35.015" v="37" actId="14100"/>
+        <pc:sldMkLst>
+          <pc:docMk/>
+          <pc:sldMk cId="2681126010" sldId="266"/>
+        </pc:sldMkLst>
+        <pc:spChg chg="mod">
+          <ac:chgData name="Villarreal Jorge Hector" userId="834edb76-31d5-469c-83b3-357aaa1b68bb" providerId="ADAL" clId="{A2A0E723-BA6A-4C8D-A93B-2AFAD3ACB902}" dt="2020-10-31T17:32:10.895" v="4" actId="404"/>
+          <ac:spMkLst>
+            <pc:docMk/>
+            <pc:sldMk cId="2681126010" sldId="266"/>
+            <ac:spMk id="2" creationId="{23F0A886-2605-46C4-9D28-E9B45AC5238C}"/>
+          </ac:spMkLst>
+        </pc:spChg>
+        <pc:spChg chg="del">
+          <ac:chgData name="Villarreal Jorge Hector" userId="834edb76-31d5-469c-83b3-357aaa1b68bb" providerId="ADAL" clId="{A2A0E723-BA6A-4C8D-A93B-2AFAD3ACB902}" dt="2020-10-31T17:34:29.511" v="5" actId="931"/>
+          <ac:spMkLst>
+            <pc:docMk/>
+            <pc:sldMk cId="2681126010" sldId="266"/>
+            <ac:spMk id="3" creationId="{471E94B3-A1EB-4D88-861F-3730CD115815}"/>
+          </ac:spMkLst>
+        </pc:spChg>
+        <pc:spChg chg="add mod">
+          <ac:chgData name="Villarreal Jorge Hector" userId="834edb76-31d5-469c-83b3-357aaa1b68bb" providerId="ADAL" clId="{A2A0E723-BA6A-4C8D-A93B-2AFAD3ACB902}" dt="2020-10-31T17:39:35.015" v="37" actId="14100"/>
+          <ac:spMkLst>
+            <pc:docMk/>
+            <pc:sldMk cId="2681126010" sldId="266"/>
+            <ac:spMk id="6" creationId="{5FE58308-5EDC-4563-AD6F-37B824D6BA96}"/>
+          </ac:spMkLst>
+        </pc:spChg>
+        <pc:picChg chg="add mod">
+          <ac:chgData name="Villarreal Jorge Hector" userId="834edb76-31d5-469c-83b3-357aaa1b68bb" providerId="ADAL" clId="{A2A0E723-BA6A-4C8D-A93B-2AFAD3ACB902}" dt="2020-10-31T17:35:35.337" v="12" actId="1076"/>
+          <ac:picMkLst>
+            <pc:docMk/>
+            <pc:sldMk cId="2681126010" sldId="266"/>
+            <ac:picMk id="5" creationId="{DB69DFC7-E549-4CD2-8CD2-C579CE5A1448}"/>
+          </ac:picMkLst>
+        </pc:picChg>
+      </pc:sldChg>
+    </pc:docChg>
+  </pc:docChgLst>
+</pc:chgInfo>
 </file>
 
 <file path=ppt/slideLayouts/slideLayout1.xml><?xml version="1.0" encoding="utf-8"?>
@@ -301,7 +368,7 @@
           <a:p>
             <a:fld id="{4AAD347D-5ACD-4C99-B74B-A9C85AD731AF}" type="datetimeFigureOut">
               <a:rPr lang="en-US" dirty="0"/>
-              <a:t>10/31/20</a:t>
+              <a:t>10/31/2020</a:t>
             </a:fld>
             <a:endParaRPr lang="en-US" dirty="0"/>
           </a:p>
@@ -598,7 +665,7 @@
           <a:p>
             <a:fld id="{4509A250-FF31-4206-8172-F9D3106AACB1}" type="datetimeFigureOut">
               <a:rPr lang="en-US" dirty="0"/>
-              <a:t>10/31/20</a:t>
+              <a:t>10/31/2020</a:t>
             </a:fld>
             <a:endParaRPr lang="en-US" dirty="0"/>
           </a:p>
@@ -814,7 +881,7 @@
           <a:p>
             <a:fld id="{4509A250-FF31-4206-8172-F9D3106AACB1}" type="datetimeFigureOut">
               <a:rPr lang="en-US" dirty="0"/>
-              <a:t>10/31/20</a:t>
+              <a:t>10/31/2020</a:t>
             </a:fld>
             <a:endParaRPr lang="en-US" dirty="0"/>
           </a:p>
@@ -1109,7 +1176,7 @@
           <a:p>
             <a:fld id="{4509A250-FF31-4206-8172-F9D3106AACB1}" type="datetimeFigureOut">
               <a:rPr lang="en-US" dirty="0"/>
-              <a:t>10/31/20</a:t>
+              <a:t>10/31/2020</a:t>
             </a:fld>
             <a:endParaRPr lang="en-US" dirty="0"/>
           </a:p>
@@ -1472,7 +1539,7 @@
           <a:p>
             <a:fld id="{4509A250-FF31-4206-8172-F9D3106AACB1}" type="datetimeFigureOut">
               <a:rPr lang="en-US" dirty="0"/>
-              <a:t>10/31/20</a:t>
+              <a:t>10/31/2020</a:t>
             </a:fld>
             <a:endParaRPr lang="en-US" dirty="0"/>
           </a:p>
@@ -2117,7 +2184,7 @@
           <a:p>
             <a:fld id="{4509A250-FF31-4206-8172-F9D3106AACB1}" type="datetimeFigureOut">
               <a:rPr lang="en-US" dirty="0"/>
-              <a:t>10/31/20</a:t>
+              <a:t>10/31/2020</a:t>
             </a:fld>
             <a:endParaRPr lang="en-US" dirty="0"/>
           </a:p>
@@ -2999,7 +3066,7 @@
           <a:p>
             <a:fld id="{4509A250-FF31-4206-8172-F9D3106AACB1}" type="datetimeFigureOut">
               <a:rPr lang="en-US" dirty="0"/>
-              <a:t>10/31/20</a:t>
+              <a:t>10/31/2020</a:t>
             </a:fld>
             <a:endParaRPr lang="en-US" dirty="0"/>
           </a:p>
@@ -3191,7 +3258,7 @@
           <a:p>
             <a:fld id="{4509A250-FF31-4206-8172-F9D3106AACB1}" type="datetimeFigureOut">
               <a:rPr lang="en-US" dirty="0"/>
-              <a:t>10/31/20</a:t>
+              <a:t>10/31/2020</a:t>
             </a:fld>
             <a:endParaRPr lang="en-US" dirty="0"/>
           </a:p>
@@ -3393,7 +3460,7 @@
           <a:p>
             <a:fld id="{4509A250-FF31-4206-8172-F9D3106AACB1}" type="datetimeFigureOut">
               <a:rPr lang="en-US" dirty="0"/>
-              <a:t>10/31/20</a:t>
+              <a:t>10/31/2020</a:t>
             </a:fld>
             <a:endParaRPr lang="en-US" dirty="0"/>
           </a:p>
@@ -3585,7 +3652,7 @@
           <a:p>
             <a:fld id="{4509A250-FF31-4206-8172-F9D3106AACB1}" type="datetimeFigureOut">
               <a:rPr lang="en-US" dirty="0"/>
-              <a:t>10/31/20</a:t>
+              <a:t>10/31/2020</a:t>
             </a:fld>
             <a:endParaRPr lang="en-US" dirty="0"/>
           </a:p>
@@ -3854,7 +3921,7 @@
           <a:p>
             <a:fld id="{9796027F-7875-4030-9381-8BD8C4F21935}" type="datetimeFigureOut">
               <a:rPr lang="en-US" dirty="0"/>
-              <a:t>10/31/20</a:t>
+              <a:t>10/31/2020</a:t>
             </a:fld>
             <a:endParaRPr lang="en-US" dirty="0"/>
           </a:p>
@@ -4168,7 +4235,7 @@
           <a:p>
             <a:fld id="{9796027F-7875-4030-9381-8BD8C4F21935}" type="datetimeFigureOut">
               <a:rPr lang="en-US" dirty="0"/>
-              <a:t>10/31/20</a:t>
+              <a:t>10/31/2020</a:t>
             </a:fld>
             <a:endParaRPr lang="en-US" dirty="0"/>
           </a:p>
@@ -4634,7 +4701,7 @@
           <a:p>
             <a:fld id="{9796027F-7875-4030-9381-8BD8C4F21935}" type="datetimeFigureOut">
               <a:rPr lang="en-US" dirty="0"/>
-              <a:t>10/31/20</a:t>
+              <a:t>10/31/2020</a:t>
             </a:fld>
             <a:endParaRPr lang="en-US" dirty="0"/>
           </a:p>
@@ -4774,7 +4841,7 @@
           <a:p>
             <a:fld id="{4509A250-FF31-4206-8172-F9D3106AACB1}" type="datetimeFigureOut">
               <a:rPr lang="en-US" dirty="0"/>
-              <a:t>10/31/20</a:t>
+              <a:t>10/31/2020</a:t>
             </a:fld>
             <a:endParaRPr lang="en-US" dirty="0"/>
           </a:p>
@@ -4891,7 +4958,7 @@
           <a:p>
             <a:fld id="{4509A250-FF31-4206-8172-F9D3106AACB1}" type="datetimeFigureOut">
               <a:rPr lang="en-US" dirty="0"/>
-              <a:t>10/31/20</a:t>
+              <a:t>10/31/2020</a:t>
             </a:fld>
             <a:endParaRPr lang="en-US" dirty="0"/>
           </a:p>
@@ -5192,7 +5259,7 @@
           <a:p>
             <a:fld id="{4509A250-FF31-4206-8172-F9D3106AACB1}" type="datetimeFigureOut">
               <a:rPr lang="en-US" dirty="0"/>
-              <a:t>10/31/20</a:t>
+              <a:t>10/31/2020</a:t>
             </a:fld>
             <a:endParaRPr lang="en-US" dirty="0"/>
           </a:p>
@@ -5489,7 +5556,7 @@
           <a:p>
             <a:fld id="{4509A250-FF31-4206-8172-F9D3106AACB1}" type="datetimeFigureOut">
               <a:rPr lang="en-US" dirty="0"/>
-              <a:t>10/31/20</a:t>
+              <a:t>10/31/2020</a:t>
             </a:fld>
             <a:endParaRPr lang="en-US" dirty="0"/>
           </a:p>
@@ -5940,7 +6007,7 @@
           <a:p>
             <a:fld id="{4AAD347D-5ACD-4C99-B74B-A9C85AD731AF}" type="datetimeFigureOut">
               <a:rPr lang="en-US" dirty="0"/>
-              <a:t>10/31/20</a:t>
+              <a:t>10/31/2020</a:t>
             </a:fld>
             <a:endParaRPr lang="en-US" dirty="0"/>
           </a:p>
@@ -6594,6 +6661,86 @@
 </p:sld>
 </file>
 
+<file path=ppt/slides/slide10.xml><?xml version="1.0" encoding="utf-8"?>
+<p:sld xmlns:a="http://schemas.openxmlformats.org/drawingml/2006/main" xmlns:r="http://schemas.openxmlformats.org/officeDocument/2006/relationships" xmlns:p="http://schemas.openxmlformats.org/presentationml/2006/main">
+  <p:cSld>
+    <p:spTree>
+      <p:nvGrpSpPr>
+        <p:cNvPr id="1" name=""/>
+        <p:cNvGrpSpPr/>
+        <p:nvPr/>
+      </p:nvGrpSpPr>
+      <p:grpSpPr>
+        <a:xfrm>
+          <a:off x="0" y="0"/>
+          <a:ext cx="0" cy="0"/>
+          <a:chOff x="0" y="0"/>
+          <a:chExt cx="0" cy="0"/>
+        </a:xfrm>
+      </p:grpSpPr>
+      <p:sp>
+        <p:nvSpPr>
+          <p:cNvPr id="2" name="Title 1">
+            <a:extLst>
+              <a:ext uri="{FF2B5EF4-FFF2-40B4-BE49-F238E27FC236}">
+                <a16:creationId xmlns:a16="http://schemas.microsoft.com/office/drawing/2014/main" id="{92A80848-79AC-A54D-AD33-71F635C20E73}"/>
+              </a:ext>
+            </a:extLst>
+          </p:cNvPr>
+          <p:cNvSpPr>
+            <a:spLocks noGrp="1"/>
+          </p:cNvSpPr>
+          <p:nvPr>
+            <p:ph type="title"/>
+          </p:nvPr>
+        </p:nvSpPr>
+        <p:spPr/>
+        <p:txBody>
+          <a:bodyPr/>
+          <a:lstStyle/>
+          <a:p>
+            <a:endParaRPr lang="en-MX"/>
+          </a:p>
+        </p:txBody>
+      </p:sp>
+      <p:sp>
+        <p:nvSpPr>
+          <p:cNvPr id="3" name="Content Placeholder 2">
+            <a:extLst>
+              <a:ext uri="{FF2B5EF4-FFF2-40B4-BE49-F238E27FC236}">
+                <a16:creationId xmlns:a16="http://schemas.microsoft.com/office/drawing/2014/main" id="{90A653D3-E23D-9540-BB29-ED0EA2498283}"/>
+              </a:ext>
+            </a:extLst>
+          </p:cNvPr>
+          <p:cNvSpPr>
+            <a:spLocks noGrp="1"/>
+          </p:cNvSpPr>
+          <p:nvPr>
+            <p:ph idx="1"/>
+          </p:nvPr>
+        </p:nvSpPr>
+        <p:spPr/>
+        <p:txBody>
+          <a:bodyPr/>
+          <a:lstStyle/>
+          <a:p>
+            <a:endParaRPr lang="en-MX"/>
+          </a:p>
+        </p:txBody>
+      </p:sp>
+    </p:spTree>
+    <p:extLst>
+      <p:ext uri="{BB962C8B-B14F-4D97-AF65-F5344CB8AC3E}">
+        <p14:creationId xmlns:p14="http://schemas.microsoft.com/office/powerpoint/2010/main" val="1751394842"/>
+      </p:ext>
+    </p:extLst>
+  </p:cSld>
+  <p:clrMapOvr>
+    <a:masterClrMapping/>
+  </p:clrMapOvr>
+</p:sld>
+</file>
+
 <file path=ppt/slides/slide2.xml><?xml version="1.0" encoding="utf-8"?>
 <p:sld xmlns:a="http://schemas.openxmlformats.org/drawingml/2006/main" xmlns:r="http://schemas.openxmlformats.org/officeDocument/2006/relationships" xmlns:p="http://schemas.openxmlformats.org/presentationml/2006/main">
   <p:cSld>
@@ -7421,7 +7568,7 @@
           <p:cNvPr id="2" name="Title 1">
             <a:extLst>
               <a:ext uri="{FF2B5EF4-FFF2-40B4-BE49-F238E27FC236}">
-                <a16:creationId xmlns:a16="http://schemas.microsoft.com/office/drawing/2014/main" id="{E5621A8C-1BD8-4046-80B6-6F531422EBC0}"/>
+                <a16:creationId xmlns:a16="http://schemas.microsoft.com/office/drawing/2014/main" id="{23F0A886-2605-46C4-9D28-E9B45AC5238C}"/>
               </a:ext>
             </a:extLst>
           </p:cNvPr>
@@ -7432,329 +7579,86 @@
             <p:ph type="title"/>
           </p:nvPr>
         </p:nvSpPr>
-        <p:spPr>
-          <a:xfrm>
-            <a:off x="646111" y="363068"/>
-            <a:ext cx="9986030" cy="1400530"/>
-          </a:xfrm>
-        </p:spPr>
+        <p:spPr/>
         <p:txBody>
           <a:bodyPr/>
           <a:lstStyle/>
           <a:p>
             <a:r>
-              <a:rPr lang="es-ES" sz="3200" dirty="0" err="1"/>
-              <a:t>Myth</a:t>
-            </a:r>
-            <a:r>
-              <a:rPr lang="es-ES" sz="3200" dirty="0"/>
-              <a:t> 2-3. </a:t>
-            </a:r>
-            <a:r>
-              <a:rPr lang="es-ES" sz="3200" dirty="0" err="1"/>
-              <a:t>Biggest</a:t>
-            </a:r>
-            <a:r>
-              <a:rPr lang="es-ES" sz="3200" dirty="0"/>
-              <a:t> </a:t>
-            </a:r>
-            <a:r>
-              <a:rPr lang="es-ES" sz="3200" dirty="0" err="1"/>
-              <a:t>correlating</a:t>
-            </a:r>
-            <a:r>
-              <a:rPr lang="es-ES" sz="3200" dirty="0"/>
-              <a:t> variables </a:t>
-            </a:r>
-            <a:r>
-              <a:rPr lang="es-ES" sz="3200" dirty="0" err="1"/>
-              <a:t>on</a:t>
-            </a:r>
-            <a:r>
-              <a:rPr lang="es-ES" sz="3200" dirty="0"/>
-              <a:t> </a:t>
-            </a:r>
-            <a:r>
-              <a:rPr lang="es-ES" sz="3200" dirty="0" err="1"/>
-              <a:t>Covid</a:t>
-            </a:r>
-            <a:r>
-              <a:rPr lang="es-ES" sz="3200" dirty="0"/>
-              <a:t> </a:t>
-            </a:r>
-            <a:r>
-              <a:rPr lang="es-ES" sz="3200" dirty="0" err="1"/>
-              <a:t>deaths</a:t>
-            </a:r>
-            <a:r>
-              <a:rPr lang="es-ES" sz="3200" dirty="0"/>
-              <a:t> are </a:t>
-            </a:r>
-            <a:r>
-              <a:rPr lang="es-ES" sz="3200" dirty="0" err="1"/>
-              <a:t>Diabities</a:t>
-            </a:r>
-            <a:r>
-              <a:rPr lang="es-ES" sz="3200" dirty="0"/>
-              <a:t> and </a:t>
-            </a:r>
-            <a:r>
-              <a:rPr lang="es-ES" sz="3200" dirty="0" err="1"/>
-              <a:t>Heart</a:t>
-            </a:r>
-            <a:r>
-              <a:rPr lang="es-ES" sz="3200" dirty="0"/>
-              <a:t> Desease and </a:t>
-            </a:r>
-            <a:r>
-              <a:rPr lang="es-ES" sz="3200" dirty="0" err="1"/>
-              <a:t>negative</a:t>
-            </a:r>
-            <a:r>
-              <a:rPr lang="es-ES" sz="3200" dirty="0"/>
-              <a:t> </a:t>
-            </a:r>
-            <a:r>
-              <a:rPr lang="es-ES" sz="3200" dirty="0" err="1"/>
-              <a:t>correlation</a:t>
-            </a:r>
-            <a:r>
-              <a:rPr lang="es-ES" sz="3200" dirty="0"/>
-              <a:t> </a:t>
-            </a:r>
-            <a:r>
-              <a:rPr lang="es-ES" sz="3200" dirty="0" err="1"/>
-              <a:t>exist</a:t>
-            </a:r>
-            <a:r>
-              <a:rPr lang="es-ES" sz="3200" dirty="0"/>
-              <a:t> to GDP per </a:t>
-            </a:r>
-            <a:r>
-              <a:rPr lang="es-ES" sz="3200" dirty="0" err="1"/>
-              <a:t>capita</a:t>
-            </a:r>
-            <a:endParaRPr lang="en-MX" sz="3200" dirty="0"/>
-          </a:p>
-        </p:txBody>
-      </p:sp>
-      <p:sp>
-        <p:nvSpPr>
-          <p:cNvPr id="3" name="Content Placeholder 2">
+              <a:rPr lang="en-MX" sz="3200" b="1" dirty="0"/>
+              <a:t>2.</a:t>
+            </a:r>
+            <a:r>
+              <a:rPr lang="en-MX" sz="3200" dirty="0"/>
+              <a:t> Find linear regressions on historic deaths per million to proyect figures for 2020-2022</a:t>
+            </a:r>
+            <a:br>
+              <a:rPr lang="en-MX" sz="3200" dirty="0"/>
+            </a:br>
+            <a:endParaRPr lang="en-US" sz="3200" dirty="0"/>
+          </a:p>
+        </p:txBody>
+      </p:sp>
+      <p:pic>
+        <p:nvPicPr>
+          <p:cNvPr id="5" name="Content Placeholder 4" descr="A picture containing background pattern&#10;&#10;Description automatically generated">
             <a:extLst>
               <a:ext uri="{FF2B5EF4-FFF2-40B4-BE49-F238E27FC236}">
-                <a16:creationId xmlns:a16="http://schemas.microsoft.com/office/drawing/2014/main" id="{E73870B4-6B8E-7342-9023-9B6E4AB02B26}"/>
+                <a16:creationId xmlns:a16="http://schemas.microsoft.com/office/drawing/2014/main" id="{DB69DFC7-E549-4CD2-8CD2-C579CE5A1448}"/>
               </a:ext>
             </a:extLst>
           </p:cNvPr>
-          <p:cNvSpPr>
-            <a:spLocks noGrp="1"/>
-          </p:cNvSpPr>
+          <p:cNvPicPr>
+            <a:picLocks noGrp="1" noChangeAspect="1"/>
+          </p:cNvPicPr>
           <p:nvPr>
             <p:ph idx="1"/>
           </p:nvPr>
-        </p:nvSpPr>
+        </p:nvPicPr>
+        <p:blipFill>
+          <a:blip r:embed="rId2"/>
+          <a:stretch>
+            <a:fillRect/>
+          </a:stretch>
+        </p:blipFill>
         <p:spPr>
           <a:xfrm>
-            <a:off x="502025" y="2230831"/>
-            <a:ext cx="11043864" cy="4195481"/>
-          </a:xfrm>
-        </p:spPr>
-        <p:txBody>
-          <a:bodyPr>
-            <a:normAutofit/>
-          </a:bodyPr>
-          <a:lstStyle/>
-          <a:p>
-            <a:pPr marL="0" indent="0">
-              <a:buNone/>
-            </a:pPr>
-            <a:r>
-              <a:rPr lang="en-MX" sz="2400" dirty="0"/>
-              <a:t>Main Hypothesis: Countries income will impact in hability to have lower COVID deaths and pleaces with higher Diabeties and H</a:t>
-            </a:r>
-            <a:r>
-              <a:rPr lang="en-US" sz="2400" dirty="0"/>
-              <a:t>e</a:t>
-            </a:r>
-            <a:r>
-              <a:rPr lang="en-MX" sz="2400" dirty="0"/>
-              <a:t>art deases rates will have a higher  Covid death rate</a:t>
-            </a:r>
-          </a:p>
-          <a:p>
-            <a:pPr marL="0" indent="0">
-              <a:buNone/>
-            </a:pPr>
-            <a:endParaRPr lang="en-MX" sz="2400" dirty="0"/>
-          </a:p>
-          <a:p>
-            <a:pPr marL="0" indent="0">
-              <a:buNone/>
-            </a:pPr>
-            <a:r>
-              <a:rPr lang="en-MX" sz="2400" dirty="0"/>
-              <a:t>Process:</a:t>
-            </a:r>
-          </a:p>
-          <a:p>
-            <a:pPr marL="0" indent="0">
-              <a:buNone/>
-            </a:pPr>
-            <a:r>
-              <a:rPr lang="en-MX" sz="2400" dirty="0"/>
-              <a:t>	</a:t>
-            </a:r>
-            <a:r>
-              <a:rPr lang="en-MX" sz="2400" b="1" dirty="0"/>
-              <a:t>1.</a:t>
-            </a:r>
-            <a:r>
-              <a:rPr lang="en-MX" sz="2400" dirty="0"/>
-              <a:t> Get data sources</a:t>
-            </a:r>
-          </a:p>
-          <a:p>
-            <a:pPr marL="0" indent="0">
-              <a:buNone/>
-            </a:pPr>
-            <a:r>
-              <a:rPr lang="en-MX" sz="2400" dirty="0"/>
-              <a:t>	</a:t>
-            </a:r>
-            <a:r>
-              <a:rPr lang="en-MX" sz="2400" b="1" dirty="0"/>
-              <a:t>2.</a:t>
-            </a:r>
-            <a:r>
-              <a:rPr lang="en-MX" sz="2400" dirty="0"/>
-              <a:t> Find availiabie variables to find correlations</a:t>
-            </a:r>
-          </a:p>
-          <a:p>
-            <a:pPr marL="0" indent="0">
-              <a:buNone/>
-            </a:pPr>
-            <a:r>
-              <a:rPr lang="en-MX" sz="2400" dirty="0"/>
-              <a:t>	</a:t>
-            </a:r>
-            <a:r>
-              <a:rPr lang="en-MX" sz="2400" b="1" dirty="0"/>
-              <a:t>3.</a:t>
-            </a:r>
-            <a:r>
-              <a:rPr lang="en-MX" sz="2400" dirty="0"/>
-              <a:t> Peforme multivariable analysis to reject not correlatig variables </a:t>
-            </a:r>
-          </a:p>
-          <a:p>
-            <a:pPr marL="0" indent="0">
-              <a:buNone/>
-            </a:pPr>
-            <a:r>
-              <a:rPr lang="en-MX" sz="2400" dirty="0"/>
-              <a:t>	</a:t>
-            </a:r>
-            <a:r>
-              <a:rPr lang="en-MX" sz="2400" b="1" dirty="0"/>
-              <a:t>4. </a:t>
-            </a:r>
-            <a:r>
-              <a:rPr lang="en-MX" sz="2400" dirty="0"/>
-              <a:t>Arrive to conclusions</a:t>
-            </a:r>
-          </a:p>
-          <a:p>
-            <a:pPr marL="0" indent="0">
-              <a:buNone/>
-            </a:pPr>
-            <a:endParaRPr lang="en-MX" sz="2400" dirty="0"/>
-          </a:p>
-          <a:p>
-            <a:pPr marL="0" indent="0">
-              <a:buNone/>
-            </a:pPr>
-            <a:endParaRPr lang="en-MX" sz="2400" dirty="0"/>
-          </a:p>
-          <a:p>
-            <a:pPr marL="0" indent="0">
-              <a:buNone/>
-            </a:pPr>
-            <a:endParaRPr lang="en-MX" sz="2400" dirty="0"/>
-          </a:p>
-          <a:p>
-            <a:pPr marL="0" indent="0">
-              <a:buNone/>
-            </a:pPr>
-            <a:endParaRPr lang="en-MX" sz="2400" dirty="0"/>
-          </a:p>
-          <a:p>
-            <a:pPr marL="0" indent="0">
-              <a:buNone/>
-            </a:pPr>
-            <a:endParaRPr lang="en-MX" sz="2400" dirty="0"/>
-          </a:p>
-          <a:p>
-            <a:pPr marL="0" indent="0">
-              <a:buNone/>
-            </a:pPr>
-            <a:endParaRPr lang="en-MX" sz="2400" dirty="0"/>
-          </a:p>
-          <a:p>
-            <a:pPr marL="0" indent="0">
-              <a:buNone/>
-            </a:pPr>
-            <a:endParaRPr lang="en-MX" sz="2400" dirty="0"/>
-          </a:p>
-        </p:txBody>
-      </p:sp>
-      <p:sp>
-        <p:nvSpPr>
-          <p:cNvPr id="4" name="Slide Number Placeholder 5">
+            <a:off x="216682" y="2204693"/>
+            <a:ext cx="5487650" cy="3658433"/>
+          </a:xfrm>
+        </p:spPr>
+      </p:pic>
+      <p:sp>
+        <p:nvSpPr>
+          <p:cNvPr id="6" name="TextBox 5">
             <a:extLst>
               <a:ext uri="{FF2B5EF4-FFF2-40B4-BE49-F238E27FC236}">
-                <a16:creationId xmlns:a16="http://schemas.microsoft.com/office/drawing/2014/main" id="{12A46A79-551E-574D-B650-034048FC3851}"/>
+                <a16:creationId xmlns:a16="http://schemas.microsoft.com/office/drawing/2014/main" id="{5FE58308-5EDC-4563-AD6F-37B824D6BA96}"/>
               </a:ext>
             </a:extLst>
           </p:cNvPr>
-          <p:cNvSpPr>
-            <a:spLocks noGrp="1"/>
-          </p:cNvSpPr>
-          <p:nvPr>
-            <p:ph type="sldNum" sz="quarter" idx="4"/>
-          </p:nvPr>
-        </p:nvSpPr>
-        <p:spPr bwMode="gray">
-          <a:xfrm>
-            <a:off x="10387709" y="96438"/>
-            <a:ext cx="838199" cy="767687"/>
+          <p:cNvSpPr txBox="1"/>
+          <p:nvPr/>
+        </p:nvSpPr>
+        <p:spPr>
+          <a:xfrm>
+            <a:off x="3713982" y="5845239"/>
+            <a:ext cx="2161038" cy="369332"/>
           </a:xfrm>
           <a:prstGeom prst="rect">
             <a:avLst/>
           </a:prstGeom>
-        </p:spPr>
-        <p:txBody>
-          <a:bodyPr vert="horz" lIns="91440" tIns="45720" rIns="91440" bIns="45720" rtlCol="0" anchor="b"/>
-          <a:lstStyle>
-            <a:lvl1pPr algn="ctr">
-              <a:defRPr sz="3600" b="0" i="1">
-                <a:solidFill>
-                  <a:schemeClr val="tx1">
-                    <a:tint val="75000"/>
-                  </a:schemeClr>
-                </a:solidFill>
-              </a:defRPr>
-            </a:lvl1pPr>
-          </a:lstStyle>
-          <a:p>
-            <a:r>
-              <a:rPr lang="en-US" i="0" dirty="0"/>
-              <a:t>𝛴</a:t>
-            </a:r>
+          <a:noFill/>
+        </p:spPr>
+        <p:txBody>
+          <a:bodyPr wrap="square" rtlCol="0">
+            <a:spAutoFit/>
+          </a:bodyPr>
+          <a:lstStyle/>
+          <a:p>
             <a:r>
               <a:rPr lang="en-US" dirty="0"/>
-              <a:t>:</a:t>
+              <a:t>R-squared=.9875</a:t>
             </a:r>
           </a:p>
         </p:txBody>
@@ -7762,7 +7666,7 @@
     </p:spTree>
     <p:extLst>
       <p:ext uri="{BB962C8B-B14F-4D97-AF65-F5344CB8AC3E}">
-        <p14:creationId xmlns:p14="http://schemas.microsoft.com/office/powerpoint/2010/main" val="3790741576"/>
+        <p14:creationId xmlns:p14="http://schemas.microsoft.com/office/powerpoint/2010/main" val="2681126010"/>
       </p:ext>
     </p:extLst>
   </p:cSld>
@@ -7821,11 +7725,11 @@
             </a:r>
             <a:r>
               <a:rPr lang="es-ES" sz="3200" dirty="0"/>
-              <a:t> 4. </a:t>
+              <a:t> 2-3. </a:t>
             </a:r>
             <a:r>
               <a:rPr lang="es-ES" sz="3200" dirty="0" err="1"/>
-              <a:t>Cities</a:t>
+              <a:t>Biggest</a:t>
             </a:r>
             <a:r>
               <a:rPr lang="es-ES" sz="3200" dirty="0"/>
@@ -7833,7 +7737,15 @@
             </a:r>
             <a:r>
               <a:rPr lang="es-ES" sz="3200" dirty="0" err="1"/>
-              <a:t>with</a:t>
+              <a:t>correlating</a:t>
+            </a:r>
+            <a:r>
+              <a:rPr lang="es-ES" sz="3200" dirty="0"/>
+              <a:t> variables </a:t>
+            </a:r>
+            <a:r>
+              <a:rPr lang="es-ES" sz="3200" dirty="0" err="1"/>
+              <a:t>on</a:t>
             </a:r>
             <a:r>
               <a:rPr lang="es-ES" sz="3200" dirty="0"/>
@@ -7841,7 +7753,7 @@
             </a:r>
             <a:r>
               <a:rPr lang="es-ES" sz="3200" dirty="0" err="1"/>
-              <a:t>higher</a:t>
+              <a:t>Covid</a:t>
             </a:r>
             <a:r>
               <a:rPr lang="es-ES" sz="3200" dirty="0"/>
@@ -7849,7 +7761,31 @@
             </a:r>
             <a:r>
               <a:rPr lang="es-ES" sz="3200" dirty="0" err="1"/>
-              <a:t>tempeture</a:t>
+              <a:t>deaths</a:t>
+            </a:r>
+            <a:r>
+              <a:rPr lang="es-ES" sz="3200" dirty="0"/>
+              <a:t> are </a:t>
+            </a:r>
+            <a:r>
+              <a:rPr lang="es-ES" sz="3200" dirty="0" err="1"/>
+              <a:t>Diabities</a:t>
+            </a:r>
+            <a:r>
+              <a:rPr lang="es-ES" sz="3200" dirty="0"/>
+              <a:t> and </a:t>
+            </a:r>
+            <a:r>
+              <a:rPr lang="es-ES" sz="3200" dirty="0" err="1"/>
+              <a:t>Heart</a:t>
+            </a:r>
+            <a:r>
+              <a:rPr lang="es-ES" sz="3200" dirty="0"/>
+              <a:t> Desease and </a:t>
+            </a:r>
+            <a:r>
+              <a:rPr lang="es-ES" sz="3200" dirty="0" err="1"/>
+              <a:t>negative</a:t>
             </a:r>
             <a:r>
               <a:rPr lang="es-ES" sz="3200" dirty="0"/>
@@ -7857,7 +7793,7 @@
             </a:r>
             <a:r>
               <a:rPr lang="es-ES" sz="3200" dirty="0" err="1"/>
-              <a:t>will</a:t>
+              <a:t>correlation</a:t>
             </a:r>
             <a:r>
               <a:rPr lang="es-ES" sz="3200" dirty="0"/>
@@ -7865,39 +7801,15 @@
             </a:r>
             <a:r>
               <a:rPr lang="es-ES" sz="3200" dirty="0" err="1"/>
-              <a:t>have</a:t>
+              <a:t>exist</a:t>
             </a:r>
             <a:r>
               <a:rPr lang="es-ES" sz="3200" dirty="0"/>
-              <a:t> </a:t>
+              <a:t> to GDP per </a:t>
             </a:r>
             <a:r>
               <a:rPr lang="es-ES" sz="3200" dirty="0" err="1"/>
-              <a:t>lower</a:t>
-            </a:r>
-            <a:r>
-              <a:rPr lang="es-ES" sz="3200" dirty="0"/>
-              <a:t> </a:t>
-            </a:r>
-            <a:r>
-              <a:rPr lang="es-ES" sz="3200" dirty="0" err="1"/>
-              <a:t>Covid</a:t>
-            </a:r>
-            <a:r>
-              <a:rPr lang="es-ES" sz="3200" dirty="0"/>
-              <a:t> </a:t>
-            </a:r>
-            <a:r>
-              <a:rPr lang="es-ES" sz="3200" dirty="0" err="1"/>
-              <a:t>death</a:t>
-            </a:r>
-            <a:r>
-              <a:rPr lang="es-ES" sz="3200" dirty="0"/>
-              <a:t> </a:t>
-            </a:r>
-            <a:r>
-              <a:rPr lang="es-ES" sz="3200" dirty="0" err="1"/>
-              <a:t>rates</a:t>
+              <a:t>capita</a:t>
             </a:r>
             <a:endParaRPr lang="en-MX" sz="3200" dirty="0"/>
           </a:p>
@@ -7936,133 +7848,16 @@
             </a:pPr>
             <a:r>
               <a:rPr lang="en-MX" sz="2400" dirty="0"/>
-              <a:t>Main Hypothesis: </a:t>
-            </a:r>
-            <a:r>
-              <a:rPr lang="es-ES" sz="2400" dirty="0"/>
-              <a:t>In places </a:t>
-            </a:r>
-            <a:r>
-              <a:rPr lang="es-ES" sz="2400" dirty="0" err="1"/>
-              <a:t>with</a:t>
-            </a:r>
-            <a:r>
-              <a:rPr lang="es-ES" sz="2400" dirty="0"/>
-              <a:t> </a:t>
-            </a:r>
-            <a:r>
-              <a:rPr lang="es-ES" sz="2400" dirty="0" err="1"/>
-              <a:t>higher</a:t>
-            </a:r>
-            <a:r>
-              <a:rPr lang="es-ES" sz="2400" dirty="0"/>
-              <a:t> </a:t>
-            </a:r>
-            <a:r>
-              <a:rPr lang="es-ES" sz="2400" dirty="0" err="1"/>
-              <a:t>tempatures</a:t>
-            </a:r>
-            <a:r>
-              <a:rPr lang="es-ES" sz="2400" dirty="0"/>
-              <a:t> </a:t>
-            </a:r>
-            <a:r>
-              <a:rPr lang="es-ES" sz="2400" dirty="0" err="1"/>
-              <a:t>contagion</a:t>
-            </a:r>
-            <a:r>
-              <a:rPr lang="es-ES" sz="2400" dirty="0"/>
-              <a:t> and </a:t>
-            </a:r>
-            <a:r>
-              <a:rPr lang="es-ES" sz="2400" dirty="0" err="1"/>
-              <a:t>thus</a:t>
-            </a:r>
-            <a:r>
-              <a:rPr lang="es-ES" sz="2400" dirty="0"/>
-              <a:t> </a:t>
-            </a:r>
-            <a:r>
-              <a:rPr lang="es-ES" sz="2400" dirty="0" err="1"/>
-              <a:t>deast</a:t>
-            </a:r>
-            <a:r>
-              <a:rPr lang="es-ES" sz="2400" dirty="0"/>
-              <a:t> </a:t>
-            </a:r>
-            <a:r>
-              <a:rPr lang="es-ES" sz="2400" dirty="0" err="1"/>
-              <a:t>rate</a:t>
-            </a:r>
-            <a:r>
-              <a:rPr lang="es-ES" sz="2400" dirty="0"/>
-              <a:t> </a:t>
-            </a:r>
-            <a:r>
-              <a:rPr lang="es-ES" sz="2400" dirty="0" err="1"/>
-              <a:t>is</a:t>
-            </a:r>
-            <a:r>
-              <a:rPr lang="es-ES" sz="2400" dirty="0"/>
-              <a:t> </a:t>
-            </a:r>
-            <a:r>
-              <a:rPr lang="es-ES" sz="2400" dirty="0" err="1"/>
-              <a:t>expected</a:t>
-            </a:r>
-            <a:r>
-              <a:rPr lang="es-ES" sz="2400" dirty="0"/>
-              <a:t> to be </a:t>
-            </a:r>
-            <a:r>
-              <a:rPr lang="es-ES" sz="2400" dirty="0" err="1"/>
-              <a:t>lower</a:t>
-            </a:r>
-            <a:r>
-              <a:rPr lang="es-ES" sz="2400" dirty="0"/>
-              <a:t> </a:t>
-            </a:r>
-            <a:r>
-              <a:rPr lang="es-ES" sz="2400" dirty="0" err="1"/>
-              <a:t>than</a:t>
-            </a:r>
-            <a:r>
-              <a:rPr lang="es-ES" sz="2400" dirty="0"/>
-              <a:t> places </a:t>
-            </a:r>
-            <a:r>
-              <a:rPr lang="es-ES" sz="2400" dirty="0" err="1"/>
-              <a:t>with</a:t>
-            </a:r>
-            <a:r>
-              <a:rPr lang="es-ES" sz="2400" dirty="0"/>
-              <a:t> </a:t>
-            </a:r>
-            <a:r>
-              <a:rPr lang="es-ES" sz="2400" dirty="0" err="1"/>
-              <a:t>lower</a:t>
-            </a:r>
-            <a:r>
-              <a:rPr lang="es-ES" sz="2400" dirty="0"/>
-              <a:t> </a:t>
-            </a:r>
-            <a:r>
-              <a:rPr lang="es-ES" sz="2400" dirty="0" err="1"/>
-              <a:t>average</a:t>
-            </a:r>
-            <a:r>
-              <a:rPr lang="es-ES" sz="2400" dirty="0"/>
-              <a:t> </a:t>
-            </a:r>
-            <a:r>
-              <a:rPr lang="es-ES" sz="2400" dirty="0" err="1"/>
-              <a:t>tempature</a:t>
-            </a:r>
-            <a:r>
-              <a:rPr lang="es-ES" sz="2400" dirty="0"/>
-              <a:t>. </a:t>
-            </a:r>
-            <a:endParaRPr lang="en-MX" sz="2400" dirty="0"/>
+              <a:t>Main Hypothesis: Countries income will impact in hability to have lower COVID deaths and pleaces with higher Diabeties and H</a:t>
+            </a:r>
+            <a:r>
+              <a:rPr lang="en-US" sz="2400" dirty="0"/>
+              <a:t>e</a:t>
+            </a:r>
+            <a:r>
+              <a:rPr lang="en-MX" sz="2400" dirty="0"/>
+              <a:t>art deases rates will have a higher  Covid death rate</a:t>
+            </a:r>
           </a:p>
           <a:p>
             <a:pPr marL="0" indent="0">
@@ -8244,7 +8039,7 @@
     </p:spTree>
     <p:extLst>
       <p:ext uri="{BB962C8B-B14F-4D97-AF65-F5344CB8AC3E}">
-        <p14:creationId xmlns:p14="http://schemas.microsoft.com/office/powerpoint/2010/main" val="3940354841"/>
+        <p14:creationId xmlns:p14="http://schemas.microsoft.com/office/powerpoint/2010/main" val="3790741576"/>
       </p:ext>
     </p:extLst>
   </p:cSld>
@@ -8276,7 +8071,7 @@
           <p:cNvPr id="2" name="Title 1">
             <a:extLst>
               <a:ext uri="{FF2B5EF4-FFF2-40B4-BE49-F238E27FC236}">
-                <a16:creationId xmlns:a16="http://schemas.microsoft.com/office/drawing/2014/main" id="{E56EE10E-0954-D840-B8A1-84FBC0A393DA}"/>
+                <a16:creationId xmlns:a16="http://schemas.microsoft.com/office/drawing/2014/main" id="{E5621A8C-1BD8-4046-80B6-6F531422EBC0}"/>
               </a:ext>
             </a:extLst>
           </p:cNvPr>
@@ -8287,12 +8082,101 @@
             <p:ph type="title"/>
           </p:nvPr>
         </p:nvSpPr>
-        <p:spPr/>
+        <p:spPr>
+          <a:xfrm>
+            <a:off x="646111" y="363068"/>
+            <a:ext cx="9986030" cy="1400530"/>
+          </a:xfrm>
+        </p:spPr>
         <p:txBody>
           <a:bodyPr/>
           <a:lstStyle/>
           <a:p>
-            <a:endParaRPr lang="en-MX" dirty="0"/>
+            <a:r>
+              <a:rPr lang="es-ES" sz="3200" dirty="0" err="1"/>
+              <a:t>Myth</a:t>
+            </a:r>
+            <a:r>
+              <a:rPr lang="es-ES" sz="3200" dirty="0"/>
+              <a:t> 4. </a:t>
+            </a:r>
+            <a:r>
+              <a:rPr lang="es-ES" sz="3200" dirty="0" err="1"/>
+              <a:t>Cities</a:t>
+            </a:r>
+            <a:r>
+              <a:rPr lang="es-ES" sz="3200" dirty="0"/>
+              <a:t> </a:t>
+            </a:r>
+            <a:r>
+              <a:rPr lang="es-ES" sz="3200" dirty="0" err="1"/>
+              <a:t>with</a:t>
+            </a:r>
+            <a:r>
+              <a:rPr lang="es-ES" sz="3200" dirty="0"/>
+              <a:t> </a:t>
+            </a:r>
+            <a:r>
+              <a:rPr lang="es-ES" sz="3200" dirty="0" err="1"/>
+              <a:t>higher</a:t>
+            </a:r>
+            <a:r>
+              <a:rPr lang="es-ES" sz="3200" dirty="0"/>
+              <a:t> </a:t>
+            </a:r>
+            <a:r>
+              <a:rPr lang="es-ES" sz="3200" dirty="0" err="1"/>
+              <a:t>tempeture</a:t>
+            </a:r>
+            <a:r>
+              <a:rPr lang="es-ES" sz="3200" dirty="0"/>
+              <a:t> </a:t>
+            </a:r>
+            <a:r>
+              <a:rPr lang="es-ES" sz="3200" dirty="0" err="1"/>
+              <a:t>will</a:t>
+            </a:r>
+            <a:r>
+              <a:rPr lang="es-ES" sz="3200" dirty="0"/>
+              <a:t> </a:t>
+            </a:r>
+            <a:r>
+              <a:rPr lang="es-ES" sz="3200" dirty="0" err="1"/>
+              <a:t>have</a:t>
+            </a:r>
+            <a:r>
+              <a:rPr lang="es-ES" sz="3200" dirty="0"/>
+              <a:t> </a:t>
+            </a:r>
+            <a:r>
+              <a:rPr lang="es-ES" sz="3200" dirty="0" err="1"/>
+              <a:t>lower</a:t>
+            </a:r>
+            <a:r>
+              <a:rPr lang="es-ES" sz="3200" dirty="0"/>
+              <a:t> </a:t>
+            </a:r>
+            <a:r>
+              <a:rPr lang="es-ES" sz="3200" dirty="0" err="1"/>
+              <a:t>Covid</a:t>
+            </a:r>
+            <a:r>
+              <a:rPr lang="es-ES" sz="3200" dirty="0"/>
+              <a:t> </a:t>
+            </a:r>
+            <a:r>
+              <a:rPr lang="es-ES" sz="3200" dirty="0" err="1"/>
+              <a:t>death</a:t>
+            </a:r>
+            <a:r>
+              <a:rPr lang="es-ES" sz="3200" dirty="0"/>
+              <a:t> </a:t>
+            </a:r>
+            <a:r>
+              <a:rPr lang="es-ES" sz="3200" dirty="0" err="1"/>
+              <a:t>rates</a:t>
+            </a:r>
+            <a:endParaRPr lang="en-MX" sz="3200" dirty="0"/>
           </a:p>
         </p:txBody>
       </p:sp>
@@ -8301,7 +8185,7 @@
           <p:cNvPr id="3" name="Content Placeholder 2">
             <a:extLst>
               <a:ext uri="{FF2B5EF4-FFF2-40B4-BE49-F238E27FC236}">
-                <a16:creationId xmlns:a16="http://schemas.microsoft.com/office/drawing/2014/main" id="{B009BCDC-DA24-3746-83CA-86DBAF9D7B42}"/>
+                <a16:creationId xmlns:a16="http://schemas.microsoft.com/office/drawing/2014/main" id="{E73870B4-6B8E-7342-9023-9B6E4AB02B26}"/>
               </a:ext>
             </a:extLst>
           </p:cNvPr>
@@ -8309,24 +8193,287 @@
             <a:spLocks noGrp="1"/>
           </p:cNvSpPr>
           <p:nvPr>
-            <p:ph sz="half" idx="1"/>
-          </p:nvPr>
-        </p:nvSpPr>
-        <p:spPr/>
-        <p:txBody>
-          <a:bodyPr/>
+            <p:ph idx="1"/>
+          </p:nvPr>
+        </p:nvSpPr>
+        <p:spPr>
+          <a:xfrm>
+            <a:off x="502025" y="2230831"/>
+            <a:ext cx="11043864" cy="4195481"/>
+          </a:xfrm>
+        </p:spPr>
+        <p:txBody>
+          <a:bodyPr>
+            <a:normAutofit/>
+          </a:bodyPr>
           <a:lstStyle/>
           <a:p>
-            <a:endParaRPr lang="en-MX"/>
-          </a:p>
-        </p:txBody>
-      </p:sp>
-      <p:sp>
-        <p:nvSpPr>
-          <p:cNvPr id="4" name="Content Placeholder 3">
+            <a:pPr marL="0" indent="0">
+              <a:buNone/>
+            </a:pPr>
+            <a:r>
+              <a:rPr lang="en-MX" sz="2400" dirty="0"/>
+              <a:t>Main Hypothesis: </a:t>
+            </a:r>
+            <a:r>
+              <a:rPr lang="es-ES" sz="2400" dirty="0"/>
+              <a:t>In places </a:t>
+            </a:r>
+            <a:r>
+              <a:rPr lang="es-ES" sz="2400" dirty="0" err="1"/>
+              <a:t>with</a:t>
+            </a:r>
+            <a:r>
+              <a:rPr lang="es-ES" sz="2400" dirty="0"/>
+              <a:t> </a:t>
+            </a:r>
+            <a:r>
+              <a:rPr lang="es-ES" sz="2400" dirty="0" err="1"/>
+              <a:t>higher</a:t>
+            </a:r>
+            <a:r>
+              <a:rPr lang="es-ES" sz="2400" dirty="0"/>
+              <a:t> </a:t>
+            </a:r>
+            <a:r>
+              <a:rPr lang="es-ES" sz="2400" dirty="0" err="1"/>
+              <a:t>tempatures</a:t>
+            </a:r>
+            <a:r>
+              <a:rPr lang="es-ES" sz="2400" dirty="0"/>
+              <a:t> </a:t>
+            </a:r>
+            <a:r>
+              <a:rPr lang="es-ES" sz="2400" dirty="0" err="1"/>
+              <a:t>contagion</a:t>
+            </a:r>
+            <a:r>
+              <a:rPr lang="es-ES" sz="2400" dirty="0"/>
+              <a:t> and </a:t>
+            </a:r>
+            <a:r>
+              <a:rPr lang="es-ES" sz="2400" dirty="0" err="1"/>
+              <a:t>thus</a:t>
+            </a:r>
+            <a:r>
+              <a:rPr lang="es-ES" sz="2400" dirty="0"/>
+              <a:t> </a:t>
+            </a:r>
+            <a:r>
+              <a:rPr lang="es-ES" sz="2400" dirty="0" err="1"/>
+              <a:t>deast</a:t>
+            </a:r>
+            <a:r>
+              <a:rPr lang="es-ES" sz="2400" dirty="0"/>
+              <a:t> </a:t>
+            </a:r>
+            <a:r>
+              <a:rPr lang="es-ES" sz="2400" dirty="0" err="1"/>
+              <a:t>rate</a:t>
+            </a:r>
+            <a:r>
+              <a:rPr lang="es-ES" sz="2400" dirty="0"/>
+              <a:t> </a:t>
+            </a:r>
+            <a:r>
+              <a:rPr lang="es-ES" sz="2400" dirty="0" err="1"/>
+              <a:t>is</a:t>
+            </a:r>
+            <a:r>
+              <a:rPr lang="es-ES" sz="2400" dirty="0"/>
+              <a:t> </a:t>
+            </a:r>
+            <a:r>
+              <a:rPr lang="es-ES" sz="2400" dirty="0" err="1"/>
+              <a:t>expected</a:t>
+            </a:r>
+            <a:r>
+              <a:rPr lang="es-ES" sz="2400" dirty="0"/>
+              <a:t> to be </a:t>
+            </a:r>
+            <a:r>
+              <a:rPr lang="es-ES" sz="2400" dirty="0" err="1"/>
+              <a:t>lower</a:t>
+            </a:r>
+            <a:r>
+              <a:rPr lang="es-ES" sz="2400" dirty="0"/>
+              <a:t> </a:t>
+            </a:r>
+            <a:r>
+              <a:rPr lang="es-ES" sz="2400" dirty="0" err="1"/>
+              <a:t>than</a:t>
+            </a:r>
+            <a:r>
+              <a:rPr lang="es-ES" sz="2400" dirty="0"/>
+              <a:t> places </a:t>
+            </a:r>
+            <a:r>
+              <a:rPr lang="es-ES" sz="2400" dirty="0" err="1"/>
+              <a:t>with</a:t>
+            </a:r>
+            <a:r>
+              <a:rPr lang="es-ES" sz="2400" dirty="0"/>
+              <a:t> </a:t>
+            </a:r>
+            <a:r>
+              <a:rPr lang="es-ES" sz="2400" dirty="0" err="1"/>
+              <a:t>lower</a:t>
+            </a:r>
+            <a:r>
+              <a:rPr lang="es-ES" sz="2400" dirty="0"/>
+              <a:t> </a:t>
+            </a:r>
+            <a:r>
+              <a:rPr lang="es-ES" sz="2400" dirty="0" err="1"/>
+              <a:t>average</a:t>
+            </a:r>
+            <a:r>
+              <a:rPr lang="es-ES" sz="2400" dirty="0"/>
+              <a:t> </a:t>
+            </a:r>
+            <a:r>
+              <a:rPr lang="es-ES" sz="2400" dirty="0" err="1"/>
+              <a:t>tempature</a:t>
+            </a:r>
+            <a:r>
+              <a:rPr lang="es-ES" sz="2400" dirty="0"/>
+              <a:t>. </a:t>
+            </a:r>
+            <a:endParaRPr lang="en-MX" sz="2400" dirty="0"/>
+          </a:p>
+          <a:p>
+            <a:pPr marL="0" indent="0">
+              <a:buNone/>
+            </a:pPr>
+            <a:endParaRPr lang="en-MX" sz="2400" dirty="0"/>
+          </a:p>
+          <a:p>
+            <a:pPr marL="0" indent="0">
+              <a:buNone/>
+            </a:pPr>
+            <a:r>
+              <a:rPr lang="en-MX" sz="2400" dirty="0"/>
+              <a:t>Process:</a:t>
+            </a:r>
+          </a:p>
+          <a:p>
+            <a:pPr marL="0" indent="0">
+              <a:buNone/>
+            </a:pPr>
+            <a:r>
+              <a:rPr lang="en-MX" sz="2400" dirty="0"/>
+              <a:t>	</a:t>
+            </a:r>
+            <a:r>
+              <a:rPr lang="en-MX" sz="2400" b="1" dirty="0"/>
+              <a:t>1.</a:t>
+            </a:r>
+            <a:r>
+              <a:rPr lang="en-MX" sz="2400" dirty="0"/>
+              <a:t> Get data sources</a:t>
+            </a:r>
+          </a:p>
+          <a:p>
+            <a:pPr marL="0" indent="0">
+              <a:buNone/>
+            </a:pPr>
+            <a:r>
+              <a:rPr lang="en-MX" sz="2400" dirty="0"/>
+              <a:t>	</a:t>
+            </a:r>
+            <a:r>
+              <a:rPr lang="en-MX" sz="2400" b="1" dirty="0"/>
+              <a:t>2.</a:t>
+            </a:r>
+            <a:r>
+              <a:rPr lang="en-MX" sz="2400" dirty="0"/>
+              <a:t> Find availiabie variables to find correlations</a:t>
+            </a:r>
+          </a:p>
+          <a:p>
+            <a:pPr marL="0" indent="0">
+              <a:buNone/>
+            </a:pPr>
+            <a:r>
+              <a:rPr lang="en-MX" sz="2400" dirty="0"/>
+              <a:t>	</a:t>
+            </a:r>
+            <a:r>
+              <a:rPr lang="en-MX" sz="2400" b="1" dirty="0"/>
+              <a:t>3.</a:t>
+            </a:r>
+            <a:r>
+              <a:rPr lang="en-MX" sz="2400" dirty="0"/>
+              <a:t> Peforme multivariable analysis to reject not correlatig variables </a:t>
+            </a:r>
+          </a:p>
+          <a:p>
+            <a:pPr marL="0" indent="0">
+              <a:buNone/>
+            </a:pPr>
+            <a:r>
+              <a:rPr lang="en-MX" sz="2400" dirty="0"/>
+              <a:t>	</a:t>
+            </a:r>
+            <a:r>
+              <a:rPr lang="en-MX" sz="2400" b="1" dirty="0"/>
+              <a:t>4. </a:t>
+            </a:r>
+            <a:r>
+              <a:rPr lang="en-MX" sz="2400" dirty="0"/>
+              <a:t>Arrive to conclusions</a:t>
+            </a:r>
+          </a:p>
+          <a:p>
+            <a:pPr marL="0" indent="0">
+              <a:buNone/>
+            </a:pPr>
+            <a:endParaRPr lang="en-MX" sz="2400" dirty="0"/>
+          </a:p>
+          <a:p>
+            <a:pPr marL="0" indent="0">
+              <a:buNone/>
+            </a:pPr>
+            <a:endParaRPr lang="en-MX" sz="2400" dirty="0"/>
+          </a:p>
+          <a:p>
+            <a:pPr marL="0" indent="0">
+              <a:buNone/>
+            </a:pPr>
+            <a:endParaRPr lang="en-MX" sz="2400" dirty="0"/>
+          </a:p>
+          <a:p>
+            <a:pPr marL="0" indent="0">
+              <a:buNone/>
+            </a:pPr>
+            <a:endParaRPr lang="en-MX" sz="2400" dirty="0"/>
+          </a:p>
+          <a:p>
+            <a:pPr marL="0" indent="0">
+              <a:buNone/>
+            </a:pPr>
+            <a:endParaRPr lang="en-MX" sz="2400" dirty="0"/>
+          </a:p>
+          <a:p>
+            <a:pPr marL="0" indent="0">
+              <a:buNone/>
+            </a:pPr>
+            <a:endParaRPr lang="en-MX" sz="2400" dirty="0"/>
+          </a:p>
+          <a:p>
+            <a:pPr marL="0" indent="0">
+              <a:buNone/>
+            </a:pPr>
+            <a:endParaRPr lang="en-MX" sz="2400" dirty="0"/>
+          </a:p>
+        </p:txBody>
+      </p:sp>
+      <p:sp>
+        <p:nvSpPr>
+          <p:cNvPr id="4" name="Slide Number Placeholder 5">
             <a:extLst>
               <a:ext uri="{FF2B5EF4-FFF2-40B4-BE49-F238E27FC236}">
-                <a16:creationId xmlns:a16="http://schemas.microsoft.com/office/drawing/2014/main" id="{9162DA83-B83C-B146-A968-A2AA2610A3F4}"/>
+                <a16:creationId xmlns:a16="http://schemas.microsoft.com/office/drawing/2014/main" id="{12A46A79-551E-574D-B650-034048FC3851}"/>
               </a:ext>
             </a:extLst>
           </p:cNvPr>
@@ -8334,22 +8481,47 @@
             <a:spLocks noGrp="1"/>
           </p:cNvSpPr>
           <p:nvPr>
-            <p:ph sz="half" idx="2"/>
-          </p:nvPr>
-        </p:nvSpPr>
-        <p:spPr/>
-        <p:txBody>
-          <a:bodyPr/>
-          <a:lstStyle/>
-          <a:p>
-            <a:endParaRPr lang="en-MX"/>
+            <p:ph type="sldNum" sz="quarter" idx="4"/>
+          </p:nvPr>
+        </p:nvSpPr>
+        <p:spPr bwMode="gray">
+          <a:xfrm>
+            <a:off x="10387709" y="96438"/>
+            <a:ext cx="838199" cy="767687"/>
+          </a:xfrm>
+          <a:prstGeom prst="rect">
+            <a:avLst/>
+          </a:prstGeom>
+        </p:spPr>
+        <p:txBody>
+          <a:bodyPr vert="horz" lIns="91440" tIns="45720" rIns="91440" bIns="45720" rtlCol="0" anchor="b"/>
+          <a:lstStyle>
+            <a:lvl1pPr algn="ctr">
+              <a:defRPr sz="3600" b="0" i="1">
+                <a:solidFill>
+                  <a:schemeClr val="tx1">
+                    <a:tint val="75000"/>
+                  </a:schemeClr>
+                </a:solidFill>
+              </a:defRPr>
+            </a:lvl1pPr>
+          </a:lstStyle>
+          <a:p>
+            <a:r>
+              <a:rPr lang="en-US" i="0" dirty="0"/>
+              <a:t>𝛴</a:t>
+            </a:r>
+            <a:r>
+              <a:rPr lang="en-US" dirty="0"/>
+              <a:t>:</a:t>
+            </a:r>
           </a:p>
         </p:txBody>
       </p:sp>
     </p:spTree>
     <p:extLst>
       <p:ext uri="{BB962C8B-B14F-4D97-AF65-F5344CB8AC3E}">
-        <p14:creationId xmlns:p14="http://schemas.microsoft.com/office/powerpoint/2010/main" val="562365450"/>
+        <p14:creationId xmlns:p14="http://schemas.microsoft.com/office/powerpoint/2010/main" val="3940354841"/>
       </p:ext>
     </p:extLst>
   </p:cSld>
@@ -8381,7 +8553,7 @@
           <p:cNvPr id="2" name="Title 1">
             <a:extLst>
               <a:ext uri="{FF2B5EF4-FFF2-40B4-BE49-F238E27FC236}">
-                <a16:creationId xmlns:a16="http://schemas.microsoft.com/office/drawing/2014/main" id="{92A80848-79AC-A54D-AD33-71F635C20E73}"/>
+                <a16:creationId xmlns:a16="http://schemas.microsoft.com/office/drawing/2014/main" id="{E56EE10E-0954-D840-B8A1-84FBC0A393DA}"/>
               </a:ext>
             </a:extLst>
           </p:cNvPr>
@@ -8397,7 +8569,7 @@
           <a:bodyPr/>
           <a:lstStyle/>
           <a:p>
-            <a:endParaRPr lang="en-MX"/>
+            <a:endParaRPr lang="en-MX" dirty="0"/>
           </a:p>
         </p:txBody>
       </p:sp>
@@ -8406,7 +8578,7 @@
           <p:cNvPr id="3" name="Content Placeholder 2">
             <a:extLst>
               <a:ext uri="{FF2B5EF4-FFF2-40B4-BE49-F238E27FC236}">
-                <a16:creationId xmlns:a16="http://schemas.microsoft.com/office/drawing/2014/main" id="{90A653D3-E23D-9540-BB29-ED0EA2498283}"/>
+                <a16:creationId xmlns:a16="http://schemas.microsoft.com/office/drawing/2014/main" id="{B009BCDC-DA24-3746-83CA-86DBAF9D7B42}"/>
               </a:ext>
             </a:extLst>
           </p:cNvPr>
@@ -8414,7 +8586,32 @@
             <a:spLocks noGrp="1"/>
           </p:cNvSpPr>
           <p:nvPr>
-            <p:ph idx="1"/>
+            <p:ph sz="half" idx="1"/>
+          </p:nvPr>
+        </p:nvSpPr>
+        <p:spPr/>
+        <p:txBody>
+          <a:bodyPr/>
+          <a:lstStyle/>
+          <a:p>
+            <a:endParaRPr lang="en-MX"/>
+          </a:p>
+        </p:txBody>
+      </p:sp>
+      <p:sp>
+        <p:nvSpPr>
+          <p:cNvPr id="4" name="Content Placeholder 3">
+            <a:extLst>
+              <a:ext uri="{FF2B5EF4-FFF2-40B4-BE49-F238E27FC236}">
+                <a16:creationId xmlns:a16="http://schemas.microsoft.com/office/drawing/2014/main" id="{9162DA83-B83C-B146-A968-A2AA2610A3F4}"/>
+              </a:ext>
+            </a:extLst>
+          </p:cNvPr>
+          <p:cNvSpPr>
+            <a:spLocks noGrp="1"/>
+          </p:cNvSpPr>
+          <p:nvPr>
+            <p:ph sz="half" idx="2"/>
           </p:nvPr>
         </p:nvSpPr>
         <p:spPr/>
@@ -8429,7 +8626,7 @@
     </p:spTree>
     <p:extLst>
       <p:ext uri="{BB962C8B-B14F-4D97-AF65-F5344CB8AC3E}">
-        <p14:creationId xmlns:p14="http://schemas.microsoft.com/office/powerpoint/2010/main" val="1751394842"/>
+        <p14:creationId xmlns:p14="http://schemas.microsoft.com/office/powerpoint/2010/main" val="562365450"/>
       </p:ext>
     </p:extLst>
   </p:cSld>

--- a/Team Sigma.pptx
+++ b/Team Sigma.pptx
@@ -133,6 +133,75 @@
 </p:presentation>
 </file>
 
+<file path=ppt/revisionInfo.xml><?xml version="1.0" encoding="utf-8"?>
+<p1510:revInfo xmlns:a="http://schemas.openxmlformats.org/drawingml/2006/main" xmlns:r="http://schemas.openxmlformats.org/officeDocument/2006/relationships" xmlns:p1510="http://schemas.microsoft.com/office/powerpoint/2015/10/main">
+  <p1510:revLst>
+    <p1510:client id="{EFD49101-52F3-4127-BE14-FFBCDA36FAD0}" v="8" dt="2020-10-31T19:26:39.080"/>
+  </p1510:revLst>
+</p1510:revInfo>
+</file>
+
+<file path=ppt/changesInfos/changesInfo1.xml><?xml version="1.0" encoding="utf-8"?>
+<pc:chgInfo xmlns:a="http://schemas.openxmlformats.org/drawingml/2006/main" xmlns:r="http://schemas.openxmlformats.org/officeDocument/2006/relationships" xmlns:ac="http://schemas.microsoft.com/office/drawing/2013/main/command" xmlns:pc="http://schemas.microsoft.com/office/powerpoint/2013/main/command">
+  <pc:docChgLst>
+    <pc:chgData name="Villarreal Jorge Hector" userId="834edb76-31d5-469c-83b3-357aaa1b68bb" providerId="ADAL" clId="{EFD49101-52F3-4127-BE14-FFBCDA36FAD0}"/>
+    <pc:docChg chg="custSel modSld">
+      <pc:chgData name="Villarreal Jorge Hector" userId="834edb76-31d5-469c-83b3-357aaa1b68bb" providerId="ADAL" clId="{EFD49101-52F3-4127-BE14-FFBCDA36FAD0}" dt="2020-10-31T19:26:54.498" v="131" actId="1076"/>
+      <pc:docMkLst>
+        <pc:docMk/>
+      </pc:docMkLst>
+      <pc:sldChg chg="addSp delSp modSp">
+        <pc:chgData name="Villarreal Jorge Hector" userId="834edb76-31d5-469c-83b3-357aaa1b68bb" providerId="ADAL" clId="{EFD49101-52F3-4127-BE14-FFBCDA36FAD0}" dt="2020-10-31T19:26:54.498" v="131" actId="1076"/>
+        <pc:sldMkLst>
+          <pc:docMk/>
+          <pc:sldMk cId="3342289100" sldId="256"/>
+        </pc:sldMkLst>
+        <pc:spChg chg="add del mod">
+          <ac:chgData name="Villarreal Jorge Hector" userId="834edb76-31d5-469c-83b3-357aaa1b68bb" providerId="ADAL" clId="{EFD49101-52F3-4127-BE14-FFBCDA36FAD0}" dt="2020-10-31T19:25:46.101" v="106"/>
+          <ac:spMkLst>
+            <pc:docMk/>
+            <pc:sldMk cId="3342289100" sldId="256"/>
+            <ac:spMk id="6" creationId="{87D4F34A-E15B-4C79-AEF0-0B810209B31B}"/>
+          </ac:spMkLst>
+        </pc:spChg>
+        <pc:spChg chg="add del mod">
+          <ac:chgData name="Villarreal Jorge Hector" userId="834edb76-31d5-469c-83b3-357aaa1b68bb" providerId="ADAL" clId="{EFD49101-52F3-4127-BE14-FFBCDA36FAD0}" dt="2020-10-31T19:26:07.363" v="113" actId="478"/>
+          <ac:spMkLst>
+            <pc:docMk/>
+            <pc:sldMk cId="3342289100" sldId="256"/>
+            <ac:spMk id="7" creationId="{1B55F786-4DD4-4B97-97B6-94FC5F5963A3}"/>
+          </ac:spMkLst>
+        </pc:spChg>
+        <pc:spChg chg="add mod">
+          <ac:chgData name="Villarreal Jorge Hector" userId="834edb76-31d5-469c-83b3-357aaa1b68bb" providerId="ADAL" clId="{EFD49101-52F3-4127-BE14-FFBCDA36FAD0}" dt="2020-10-31T19:26:32.613" v="122" actId="1076"/>
+          <ac:spMkLst>
+            <pc:docMk/>
+            <pc:sldMk cId="3342289100" sldId="256"/>
+            <ac:spMk id="8" creationId="{B7ED7D39-2718-4C1E-A235-718DC61CE661}"/>
+          </ac:spMkLst>
+        </pc:spChg>
+        <pc:spChg chg="add mod">
+          <ac:chgData name="Villarreal Jorge Hector" userId="834edb76-31d5-469c-83b3-357aaa1b68bb" providerId="ADAL" clId="{EFD49101-52F3-4127-BE14-FFBCDA36FAD0}" dt="2020-10-31T19:26:54.498" v="131" actId="1076"/>
+          <ac:spMkLst>
+            <pc:docMk/>
+            <pc:sldMk cId="3342289100" sldId="256"/>
+            <ac:spMk id="9" creationId="{725DE534-6C4F-4A5E-9C4A-6F2C5087494E}"/>
+          </ac:spMkLst>
+        </pc:spChg>
+        <pc:spChg chg="add mod">
+          <ac:chgData name="Villarreal Jorge Hector" userId="834edb76-31d5-469c-83b3-357aaa1b68bb" providerId="ADAL" clId="{EFD49101-52F3-4127-BE14-FFBCDA36FAD0}" dt="2020-10-31T19:26:49.350" v="130" actId="113"/>
+          <ac:spMkLst>
+            <pc:docMk/>
+            <pc:sldMk cId="3342289100" sldId="256"/>
+            <ac:spMk id="10" creationId="{B6A67188-D81B-4393-8A92-00DB8C2E55CF}"/>
+          </ac:spMkLst>
+        </pc:spChg>
+      </pc:sldChg>
+    </pc:docChg>
+  </pc:docChgLst>
+</pc:chgInfo>
+</file>
+
 <file path=ppt/slideLayouts/slideLayout1.xml><?xml version="1.0" encoding="utf-8"?>
 <p:sldLayout xmlns:a="http://schemas.openxmlformats.org/drawingml/2006/main" xmlns:r="http://schemas.openxmlformats.org/officeDocument/2006/relationships" xmlns:p="http://schemas.openxmlformats.org/presentationml/2006/main" type="title" preserve="1">
   <p:cSld name="Title Slide">
@@ -319,7 +388,7 @@
           <a:p>
             <a:fld id="{4AAD347D-5ACD-4C99-B74B-A9C85AD731AF}" type="datetimeFigureOut">
               <a:rPr lang="en-US"/>
-              <a:t>10/31/20</a:t>
+              <a:t>10/31/2020</a:t>
             </a:fld>
             <a:endParaRPr lang="en-US"/>
           </a:p>
@@ -615,7 +684,7 @@
           <a:p>
             <a:fld id="{4509A250-FF31-4206-8172-F9D3106AACB1}" type="datetimeFigureOut">
               <a:rPr lang="en-US"/>
-              <a:t>10/31/20</a:t>
+              <a:t>10/31/2020</a:t>
             </a:fld>
             <a:endParaRPr lang="en-US"/>
           </a:p>
@@ -831,7 +900,7 @@
           <a:p>
             <a:fld id="{4509A250-FF31-4206-8172-F9D3106AACB1}" type="datetimeFigureOut">
               <a:rPr lang="en-US"/>
-              <a:t>10/31/20</a:t>
+              <a:t>10/31/2020</a:t>
             </a:fld>
             <a:endParaRPr lang="en-US"/>
           </a:p>
@@ -1126,7 +1195,7 @@
           <a:p>
             <a:fld id="{4509A250-FF31-4206-8172-F9D3106AACB1}" type="datetimeFigureOut">
               <a:rPr lang="en-US"/>
-              <a:t>10/31/20</a:t>
+              <a:t>10/31/2020</a:t>
             </a:fld>
             <a:endParaRPr lang="en-US"/>
           </a:p>
@@ -1489,7 +1558,7 @@
           <a:p>
             <a:fld id="{4509A250-FF31-4206-8172-F9D3106AACB1}" type="datetimeFigureOut">
               <a:rPr lang="en-US"/>
-              <a:t>10/31/20</a:t>
+              <a:t>10/31/2020</a:t>
             </a:fld>
             <a:endParaRPr lang="en-US"/>
           </a:p>
@@ -2134,7 +2203,7 @@
           <a:p>
             <a:fld id="{4509A250-FF31-4206-8172-F9D3106AACB1}" type="datetimeFigureOut">
               <a:rPr lang="en-US"/>
-              <a:t>10/31/20</a:t>
+              <a:t>10/31/2020</a:t>
             </a:fld>
             <a:endParaRPr lang="en-US"/>
           </a:p>
@@ -3013,7 +3082,7 @@
           <a:p>
             <a:fld id="{4509A250-FF31-4206-8172-F9D3106AACB1}" type="datetimeFigureOut">
               <a:rPr lang="en-US"/>
-              <a:t>10/31/20</a:t>
+              <a:t>10/31/2020</a:t>
             </a:fld>
             <a:endParaRPr lang="en-US"/>
           </a:p>
@@ -3205,7 +3274,7 @@
           <a:p>
             <a:fld id="{4509A250-FF31-4206-8172-F9D3106AACB1}" type="datetimeFigureOut">
               <a:rPr lang="en-US"/>
-              <a:t>10/31/20</a:t>
+              <a:t>10/31/2020</a:t>
             </a:fld>
             <a:endParaRPr lang="en-US"/>
           </a:p>
@@ -3407,7 +3476,7 @@
           <a:p>
             <a:fld id="{4509A250-FF31-4206-8172-F9D3106AACB1}" type="datetimeFigureOut">
               <a:rPr lang="en-US"/>
-              <a:t>10/31/20</a:t>
+              <a:t>10/31/2020</a:t>
             </a:fld>
             <a:endParaRPr lang="en-US"/>
           </a:p>
@@ -3599,7 +3668,7 @@
           <a:p>
             <a:fld id="{4509A250-FF31-4206-8172-F9D3106AACB1}" type="datetimeFigureOut">
               <a:rPr lang="en-US"/>
-              <a:t>10/31/20</a:t>
+              <a:t>10/31/2020</a:t>
             </a:fld>
             <a:endParaRPr lang="en-US"/>
           </a:p>
@@ -3868,7 +3937,7 @@
           <a:p>
             <a:fld id="{9796027F-7875-4030-9381-8BD8C4F21935}" type="datetimeFigureOut">
               <a:rPr lang="en-US"/>
-              <a:t>10/31/20</a:t>
+              <a:t>10/31/2020</a:t>
             </a:fld>
             <a:endParaRPr lang="en-US"/>
           </a:p>
@@ -4182,7 +4251,7 @@
           <a:p>
             <a:fld id="{9796027F-7875-4030-9381-8BD8C4F21935}" type="datetimeFigureOut">
               <a:rPr lang="en-US"/>
-              <a:t>10/31/20</a:t>
+              <a:t>10/31/2020</a:t>
             </a:fld>
             <a:endParaRPr lang="en-US"/>
           </a:p>
@@ -4648,7 +4717,7 @@
           <a:p>
             <a:fld id="{9796027F-7875-4030-9381-8BD8C4F21935}" type="datetimeFigureOut">
               <a:rPr lang="en-US"/>
-              <a:t>10/31/20</a:t>
+              <a:t>10/31/2020</a:t>
             </a:fld>
             <a:endParaRPr lang="en-US"/>
           </a:p>
@@ -4788,7 +4857,7 @@
           <a:p>
             <a:fld id="{4509A250-FF31-4206-8172-F9D3106AACB1}" type="datetimeFigureOut">
               <a:rPr lang="en-US"/>
-              <a:t>10/31/20</a:t>
+              <a:t>10/31/2020</a:t>
             </a:fld>
             <a:endParaRPr lang="en-US"/>
           </a:p>
@@ -4905,7 +4974,7 @@
           <a:p>
             <a:fld id="{4509A250-FF31-4206-8172-F9D3106AACB1}" type="datetimeFigureOut">
               <a:rPr lang="en-US"/>
-              <a:t>10/31/20</a:t>
+              <a:t>10/31/2020</a:t>
             </a:fld>
             <a:endParaRPr lang="en-US"/>
           </a:p>
@@ -5206,7 +5275,7 @@
           <a:p>
             <a:fld id="{4509A250-FF31-4206-8172-F9D3106AACB1}" type="datetimeFigureOut">
               <a:rPr lang="en-US"/>
-              <a:t>10/31/20</a:t>
+              <a:t>10/31/2020</a:t>
             </a:fld>
             <a:endParaRPr lang="en-US"/>
           </a:p>
@@ -5502,7 +5571,7 @@
           <a:p>
             <a:fld id="{4509A250-FF31-4206-8172-F9D3106AACB1}" type="datetimeFigureOut">
               <a:rPr lang="en-US"/>
-              <a:t>10/31/20</a:t>
+              <a:t>10/31/2020</a:t>
             </a:fld>
             <a:endParaRPr lang="en-US"/>
           </a:p>
@@ -5953,7 +6022,7 @@
           <a:p>
             <a:fld id="{4AAD347D-5ACD-4C99-B74B-A9C85AD731AF}" type="datetimeFigureOut">
               <a:rPr lang="en-US"/>
-              <a:t>10/31/20</a:t>
+              <a:t>10/31/2020</a:t>
             </a:fld>
             <a:endParaRPr lang="en-US"/>
           </a:p>
@@ -6549,11 +6618,11 @@
           <a:lstStyle/>
           <a:p>
             <a:r>
-              <a:rPr lang="en-MX" sz="11500" b="1"/>
+              <a:rPr lang="en-MX" sz="11500" b="1" dirty="0"/>
               <a:t>𝛴:</a:t>
             </a:r>
             <a:r>
-              <a:rPr lang="en-MX"/>
+              <a:rPr lang="en-MX" dirty="0"/>
               <a:t>Sigma Consulting</a:t>
             </a:r>
           </a:p>
@@ -6640,6 +6709,135 @@
             <a:r>
               <a:rPr lang="en-US" dirty="0"/>
               <a:t>:</a:t>
+            </a:r>
+          </a:p>
+        </p:txBody>
+      </p:sp>
+      <p:sp>
+        <p:nvSpPr>
+          <p:cNvPr id="8" name="Rectangle 7">
+            <a:extLst>
+              <a:ext uri="{FF2B5EF4-FFF2-40B4-BE49-F238E27FC236}">
+                <a16:creationId xmlns:a16="http://schemas.microsoft.com/office/drawing/2014/main" id="{B7ED7D39-2718-4C1E-A235-718DC61CE661}"/>
+              </a:ext>
+            </a:extLst>
+          </p:cNvPr>
+          <p:cNvSpPr/>
+          <p:nvPr/>
+        </p:nvSpPr>
+        <p:spPr>
+          <a:xfrm>
+            <a:off x="2122583" y="5566834"/>
+            <a:ext cx="1810439" cy="923330"/>
+          </a:xfrm>
+          <a:prstGeom prst="rect">
+            <a:avLst/>
+          </a:prstGeom>
+        </p:spPr>
+        <p:txBody>
+          <a:bodyPr wrap="square">
+            <a:spAutoFit/>
+          </a:bodyPr>
+          <a:lstStyle/>
+          <a:p>
+            <a:r>
+              <a:rPr lang="en-US" dirty="0"/>
+              <a:t>Llamas Daniel </a:t>
+            </a:r>
+          </a:p>
+          <a:p>
+            <a:r>
+              <a:rPr lang="en-US" dirty="0"/>
+              <a:t>López Iván</a:t>
+            </a:r>
+          </a:p>
+          <a:p>
+            <a:r>
+              <a:rPr lang="en-US" dirty="0" err="1"/>
+              <a:t>Macías</a:t>
+            </a:r>
+            <a:r>
+              <a:rPr lang="en-US" dirty="0"/>
+              <a:t> Luis</a:t>
+            </a:r>
+          </a:p>
+        </p:txBody>
+      </p:sp>
+      <p:sp>
+        <p:nvSpPr>
+          <p:cNvPr id="9" name="Rectangle 8">
+            <a:extLst>
+              <a:ext uri="{FF2B5EF4-FFF2-40B4-BE49-F238E27FC236}">
+                <a16:creationId xmlns:a16="http://schemas.microsoft.com/office/drawing/2014/main" id="{725DE534-6C4F-4A5E-9C4A-6F2C5087494E}"/>
+              </a:ext>
+            </a:extLst>
+          </p:cNvPr>
+          <p:cNvSpPr/>
+          <p:nvPr/>
+        </p:nvSpPr>
+        <p:spPr>
+          <a:xfrm>
+            <a:off x="3933022" y="5566834"/>
+            <a:ext cx="2074843" cy="646331"/>
+          </a:xfrm>
+          <a:prstGeom prst="rect">
+            <a:avLst/>
+          </a:prstGeom>
+        </p:spPr>
+        <p:txBody>
+          <a:bodyPr wrap="square">
+            <a:spAutoFit/>
+          </a:bodyPr>
+          <a:lstStyle/>
+          <a:p>
+            <a:r>
+              <a:rPr lang="en-US" dirty="0"/>
+              <a:t>Ramirez </a:t>
+            </a:r>
+            <a:r>
+              <a:rPr lang="en-US" dirty="0" err="1"/>
+              <a:t>JuanFer</a:t>
+            </a:r>
+            <a:endParaRPr lang="en-US" dirty="0"/>
+          </a:p>
+          <a:p>
+            <a:r>
+              <a:rPr lang="en-US" dirty="0"/>
+              <a:t>Villarreal Jorge </a:t>
+            </a:r>
+          </a:p>
+        </p:txBody>
+      </p:sp>
+      <p:sp>
+        <p:nvSpPr>
+          <p:cNvPr id="10" name="Rectangle 9">
+            <a:extLst>
+              <a:ext uri="{FF2B5EF4-FFF2-40B4-BE49-F238E27FC236}">
+                <a16:creationId xmlns:a16="http://schemas.microsoft.com/office/drawing/2014/main" id="{B6A67188-D81B-4393-8A92-00DB8C2E55CF}"/>
+              </a:ext>
+            </a:extLst>
+          </p:cNvPr>
+          <p:cNvSpPr/>
+          <p:nvPr/>
+        </p:nvSpPr>
+        <p:spPr>
+          <a:xfrm>
+            <a:off x="1727152" y="5354273"/>
+            <a:ext cx="2074843" cy="369332"/>
+          </a:xfrm>
+          <a:prstGeom prst="rect">
+            <a:avLst/>
+          </a:prstGeom>
+        </p:spPr>
+        <p:txBody>
+          <a:bodyPr wrap="square">
+            <a:spAutoFit/>
+          </a:bodyPr>
+          <a:lstStyle/>
+          <a:p>
+            <a:r>
+              <a:rPr lang="en-US" b="1" dirty="0"/>
+              <a:t>By:</a:t>
             </a:r>
           </a:p>
         </p:txBody>
